--- a/in_class_slides/geog4300_W11-1 Univariate regression.pptx
+++ b/in_class_slides/geog4300_W11-1 Univariate regression.pptx
@@ -5,7 +5,7 @@
     <p:sldMasterId id="2147483660" r:id="rId1"/>
   </p:sldMasterIdLst>
   <p:notesMasterIdLst>
-    <p:notesMasterId r:id="rId11"/>
+    <p:notesMasterId r:id="rId12"/>
   </p:notesMasterIdLst>
   <p:sldIdLst>
     <p:sldId id="256" r:id="rId2"/>
@@ -17,6 +17,7 @@
     <p:sldId id="317" r:id="rId8"/>
     <p:sldId id="318" r:id="rId9"/>
     <p:sldId id="314" r:id="rId10"/>
+    <p:sldId id="319" r:id="rId11"/>
   </p:sldIdLst>
   <p:sldSz cx="12192000" cy="6858000"/>
   <p:notesSz cx="6858000" cy="9144000"/>
@@ -205,7 +206,7 @@
           <a:p>
             <a:fld id="{F1C23026-85D4-48E8-9219-18000F688023}" type="datetimeFigureOut">
               <a:rPr lang="en-US" smtClean="0"/>
-              <a:t>11/1/2022</a:t>
+              <a:t>11/2/2023</a:t>
             </a:fld>
             <a:endParaRPr lang="en-US"/>
           </a:p>
@@ -2008,6 +2009,198 @@
 </p:notes>
 </file>
 
+<file path=ppt/notesSlides/notesSlide9.xml><?xml version="1.0" encoding="utf-8"?>
+<p:notes xmlns:a="http://schemas.openxmlformats.org/drawingml/2006/main" xmlns:r="http://schemas.openxmlformats.org/officeDocument/2006/relationships" xmlns:p="http://schemas.openxmlformats.org/presentationml/2006/main" showMasterSp="0" showMasterPhAnim="0">
+  <p:cSld>
+    <p:spTree>
+      <p:nvGrpSpPr>
+        <p:cNvPr id="1" name="Shape 96"/>
+        <p:cNvGrpSpPr/>
+        <p:nvPr/>
+      </p:nvGrpSpPr>
+      <p:grpSpPr>
+        <a:xfrm>
+          <a:off x="0" y="0"/>
+          <a:ext cx="0" cy="0"/>
+          <a:chOff x="0" y="0"/>
+          <a:chExt cx="0" cy="0"/>
+        </a:xfrm>
+      </p:grpSpPr>
+      <p:sp>
+        <p:nvSpPr>
+          <p:cNvPr id="97" name="Shape 97"/>
+          <p:cNvSpPr>
+            <a:spLocks noGrp="1" noRot="1" noChangeAspect="1"/>
+          </p:cNvSpPr>
+          <p:nvPr>
+            <p:ph type="sldImg" idx="2"/>
+          </p:nvPr>
+        </p:nvSpPr>
+        <p:spPr>
+          <a:xfrm>
+            <a:off x="381000" y="685800"/>
+            <a:ext cx="6096000" cy="3429000"/>
+          </a:xfrm>
+          <a:custGeom>
+            <a:avLst/>
+            <a:gdLst/>
+            <a:ahLst/>
+            <a:cxnLst/>
+            <a:rect l="0" t="0" r="0" b="0"/>
+            <a:pathLst>
+              <a:path w="120000" h="120000" extrusionOk="0">
+                <a:moveTo>
+                  <a:pt x="0" y="0"/>
+                </a:moveTo>
+                <a:lnTo>
+                  <a:pt x="120000" y="0"/>
+                </a:lnTo>
+                <a:lnTo>
+                  <a:pt x="120000" y="120000"/>
+                </a:lnTo>
+                <a:lnTo>
+                  <a:pt x="0" y="120000"/>
+                </a:lnTo>
+                <a:close/>
+              </a:path>
+            </a:pathLst>
+          </a:custGeom>
+          <a:noFill/>
+          <a:ln w="12700" cap="flat" cmpd="sng">
+            <a:solidFill>
+              <a:srgbClr val="000000"/>
+            </a:solidFill>
+            <a:prstDash val="solid"/>
+            <a:round/>
+            <a:headEnd type="none" w="med" len="med"/>
+            <a:tailEnd type="none" w="med" len="med"/>
+          </a:ln>
+        </p:spPr>
+      </p:sp>
+      <p:sp>
+        <p:nvSpPr>
+          <p:cNvPr id="98" name="Shape 98"/>
+          <p:cNvSpPr txBox="1">
+            <a:spLocks noGrp="1"/>
+          </p:cNvSpPr>
+          <p:nvPr>
+            <p:ph type="body" idx="1"/>
+          </p:nvPr>
+        </p:nvSpPr>
+        <p:spPr>
+          <a:xfrm>
+            <a:off x="685800" y="4343400"/>
+            <a:ext cx="5486399" cy="4114800"/>
+          </a:xfrm>
+          <a:prstGeom prst="rect">
+            <a:avLst/>
+          </a:prstGeom>
+          <a:noFill/>
+          <a:ln>
+            <a:noFill/>
+          </a:ln>
+        </p:spPr>
+        <p:txBody>
+          <a:bodyPr lIns="91425" tIns="45700" rIns="91425" bIns="45700" anchor="t" anchorCtr="0">
+            <a:noAutofit/>
+          </a:bodyPr>
+          <a:lstStyle/>
+          <a:p>
+            <a:pPr marL="0" marR="0" lvl="0" indent="0" algn="l" rtl="0">
+              <a:spcBef>
+                <a:spcPts val="0"/>
+              </a:spcBef>
+              <a:buSzPct val="25000"/>
+              <a:buNone/>
+            </a:pPr>
+            <a:r>
+              <a:rPr lang="en-US" sz="1200" b="0" i="0" u="none" strike="noStrike" cap="none">
+                <a:solidFill>
+                  <a:schemeClr val="dk1"/>
+                </a:solidFill>
+                <a:latin typeface="Calibri"/>
+                <a:ea typeface="Calibri"/>
+                <a:cs typeface="Calibri"/>
+                <a:sym typeface="Calibri"/>
+              </a:rPr>
+              <a:t>Alternative hypothesis is usually what you’re trying to prove.</a:t>
+            </a:r>
+          </a:p>
+        </p:txBody>
+      </p:sp>
+      <p:sp>
+        <p:nvSpPr>
+          <p:cNvPr id="99" name="Shape 99"/>
+          <p:cNvSpPr txBox="1">
+            <a:spLocks noGrp="1"/>
+          </p:cNvSpPr>
+          <p:nvPr>
+            <p:ph type="sldNum" idx="12"/>
+          </p:nvPr>
+        </p:nvSpPr>
+        <p:spPr>
+          <a:xfrm>
+            <a:off x="3884612" y="8685213"/>
+            <a:ext cx="2971799" cy="457200"/>
+          </a:xfrm>
+          <a:prstGeom prst="rect">
+            <a:avLst/>
+          </a:prstGeom>
+          <a:noFill/>
+          <a:ln>
+            <a:noFill/>
+          </a:ln>
+        </p:spPr>
+        <p:txBody>
+          <a:bodyPr lIns="91425" tIns="45700" rIns="91425" bIns="45700" anchor="b" anchorCtr="0">
+            <a:noAutofit/>
+          </a:bodyPr>
+          <a:lstStyle/>
+          <a:p>
+            <a:pPr marL="0" marR="0" lvl="0" indent="0" algn="r" rtl="0">
+              <a:spcBef>
+                <a:spcPts val="0"/>
+              </a:spcBef>
+              <a:buSzPct val="25000"/>
+              <a:buNone/>
+            </a:pPr>
+            <a:fld id="{00000000-1234-1234-1234-123412341234}" type="slidenum">
+              <a:rPr lang="en-US" sz="1200">
+                <a:solidFill>
+                  <a:schemeClr val="dk1"/>
+                </a:solidFill>
+                <a:latin typeface="Calibri"/>
+                <a:ea typeface="Calibri"/>
+                <a:cs typeface="Calibri"/>
+                <a:sym typeface="Calibri"/>
+              </a:rPr>
+              <a:t>10</a:t>
+            </a:fld>
+            <a:endParaRPr lang="en-US" sz="1200">
+              <a:solidFill>
+                <a:schemeClr val="dk1"/>
+              </a:solidFill>
+              <a:latin typeface="Calibri"/>
+              <a:ea typeface="Calibri"/>
+              <a:cs typeface="Calibri"/>
+              <a:sym typeface="Calibri"/>
+            </a:endParaRPr>
+          </a:p>
+        </p:txBody>
+      </p:sp>
+    </p:spTree>
+    <p:extLst>
+      <p:ext uri="{BB962C8B-B14F-4D97-AF65-F5344CB8AC3E}">
+        <p14:creationId xmlns:p14="http://schemas.microsoft.com/office/powerpoint/2010/main" val="2502725825"/>
+      </p:ext>
+    </p:extLst>
+  </p:cSld>
+  <p:clrMapOvr>
+    <a:masterClrMapping/>
+  </p:clrMapOvr>
+</p:notes>
+</file>
+
 <file path=ppt/slideLayouts/slideLayout1.xml><?xml version="1.0" encoding="utf-8"?>
 <p:sldLayout xmlns:a="http://schemas.openxmlformats.org/drawingml/2006/main" xmlns:r="http://schemas.openxmlformats.org/officeDocument/2006/relationships" xmlns:p="http://schemas.openxmlformats.org/presentationml/2006/main" type="title" preserve="1">
   <p:cSld name="Title Slide">
@@ -2193,7 +2386,7 @@
           <a:p>
             <a:fld id="{93C8B963-0F36-48FC-991E-AA63861DA924}" type="datetimeFigureOut">
               <a:rPr lang="en-US" smtClean="0"/>
-              <a:t>11/1/2022</a:t>
+              <a:t>11/2/2023</a:t>
             </a:fld>
             <a:endParaRPr lang="en-US"/>
           </a:p>
@@ -2491,7 +2684,7 @@
           <a:p>
             <a:fld id="{93C8B963-0F36-48FC-991E-AA63861DA924}" type="datetimeFigureOut">
               <a:rPr lang="en-US" smtClean="0"/>
-              <a:t>11/1/2022</a:t>
+              <a:t>11/2/2023</a:t>
             </a:fld>
             <a:endParaRPr lang="en-US"/>
           </a:p>
@@ -2683,7 +2876,7 @@
           <a:p>
             <a:fld id="{93C8B963-0F36-48FC-991E-AA63861DA924}" type="datetimeFigureOut">
               <a:rPr lang="en-US" smtClean="0"/>
-              <a:t>11/1/2022</a:t>
+              <a:t>11/2/2023</a:t>
             </a:fld>
             <a:endParaRPr lang="en-US"/>
           </a:p>
@@ -2944,7 +3137,7 @@
           <a:p>
             <a:fld id="{93C8B963-0F36-48FC-991E-AA63861DA924}" type="datetimeFigureOut">
               <a:rPr lang="en-US" smtClean="0"/>
-              <a:t>11/1/2022</a:t>
+              <a:t>11/2/2023</a:t>
             </a:fld>
             <a:endParaRPr lang="en-US"/>
           </a:p>
@@ -3368,7 +3561,7 @@
           <a:p>
             <a:fld id="{93C8B963-0F36-48FC-991E-AA63861DA924}" type="datetimeFigureOut">
               <a:rPr lang="en-US" smtClean="0"/>
-              <a:t>11/1/2022</a:t>
+              <a:t>11/2/2023</a:t>
             </a:fld>
             <a:endParaRPr lang="en-US"/>
           </a:p>
@@ -3905,7 +4098,7 @@
           <a:p>
             <a:fld id="{93C8B963-0F36-48FC-991E-AA63861DA924}" type="datetimeFigureOut">
               <a:rPr lang="en-US" smtClean="0"/>
-              <a:t>11/1/2022</a:t>
+              <a:t>11/2/2023</a:t>
             </a:fld>
             <a:endParaRPr lang="en-US"/>
           </a:p>
@@ -4769,7 +4962,7 @@
           <a:p>
             <a:fld id="{93C8B963-0F36-48FC-991E-AA63861DA924}" type="datetimeFigureOut">
               <a:rPr lang="en-US" smtClean="0"/>
-              <a:t>11/1/2022</a:t>
+              <a:t>11/2/2023</a:t>
             </a:fld>
             <a:endParaRPr lang="en-US"/>
           </a:p>
@@ -4939,7 +5132,7 @@
           <a:p>
             <a:fld id="{93C8B963-0F36-48FC-991E-AA63861DA924}" type="datetimeFigureOut">
               <a:rPr lang="en-US" smtClean="0"/>
-              <a:t>11/1/2022</a:t>
+              <a:t>11/2/2023</a:t>
             </a:fld>
             <a:endParaRPr lang="en-US"/>
           </a:p>
@@ -5123,7 +5316,7 @@
           <a:p>
             <a:fld id="{93C8B963-0F36-48FC-991E-AA63861DA924}" type="datetimeFigureOut">
               <a:rPr lang="en-US" smtClean="0"/>
-              <a:t>11/1/2022</a:t>
+              <a:t>11/2/2023</a:t>
             </a:fld>
             <a:endParaRPr lang="en-US"/>
           </a:p>
@@ -5293,7 +5486,7 @@
           <a:p>
             <a:fld id="{93C8B963-0F36-48FC-991E-AA63861DA924}" type="datetimeFigureOut">
               <a:rPr lang="en-US" smtClean="0"/>
-              <a:t>11/1/2022</a:t>
+              <a:t>11/2/2023</a:t>
             </a:fld>
             <a:endParaRPr lang="en-US"/>
           </a:p>
@@ -5537,7 +5730,7 @@
           <a:p>
             <a:fld id="{93C8B963-0F36-48FC-991E-AA63861DA924}" type="datetimeFigureOut">
               <a:rPr lang="en-US" smtClean="0"/>
-              <a:t>11/1/2022</a:t>
+              <a:t>11/2/2023</a:t>
             </a:fld>
             <a:endParaRPr lang="en-US"/>
           </a:p>
@@ -5773,7 +5966,7 @@
           <a:p>
             <a:fld id="{93C8B963-0F36-48FC-991E-AA63861DA924}" type="datetimeFigureOut">
               <a:rPr lang="en-US" smtClean="0"/>
-              <a:t>11/1/2022</a:t>
+              <a:t>11/2/2023</a:t>
             </a:fld>
             <a:endParaRPr lang="en-US"/>
           </a:p>
@@ -6239,7 +6432,7 @@
           <a:p>
             <a:fld id="{93C8B963-0F36-48FC-991E-AA63861DA924}" type="datetimeFigureOut">
               <a:rPr lang="en-US" smtClean="0"/>
-              <a:t>11/1/2022</a:t>
+              <a:t>11/2/2023</a:t>
             </a:fld>
             <a:endParaRPr lang="en-US"/>
           </a:p>
@@ -6357,7 +6550,7 @@
           <a:p>
             <a:fld id="{93C8B963-0F36-48FC-991E-AA63861DA924}" type="datetimeFigureOut">
               <a:rPr lang="en-US" smtClean="0"/>
-              <a:t>11/1/2022</a:t>
+              <a:t>11/2/2023</a:t>
             </a:fld>
             <a:endParaRPr lang="en-US"/>
           </a:p>
@@ -6452,7 +6645,7 @@
           <a:p>
             <a:fld id="{93C8B963-0F36-48FC-991E-AA63861DA924}" type="datetimeFigureOut">
               <a:rPr lang="en-US" smtClean="0"/>
-              <a:t>11/1/2022</a:t>
+              <a:t>11/2/2023</a:t>
             </a:fld>
             <a:endParaRPr lang="en-US"/>
           </a:p>
@@ -6707,7 +6900,7 @@
           <a:p>
             <a:fld id="{93C8B963-0F36-48FC-991E-AA63861DA924}" type="datetimeFigureOut">
               <a:rPr lang="en-US" smtClean="0"/>
-              <a:t>11/1/2022</a:t>
+              <a:t>11/2/2023</a:t>
             </a:fld>
             <a:endParaRPr lang="en-US"/>
           </a:p>
@@ -7007,7 +7200,7 @@
           <a:p>
             <a:fld id="{93C8B963-0F36-48FC-991E-AA63861DA924}" type="datetimeFigureOut">
               <a:rPr lang="en-US" smtClean="0"/>
-              <a:t>11/1/2022</a:t>
+              <a:t>11/2/2023</a:t>
             </a:fld>
             <a:endParaRPr lang="en-US"/>
           </a:p>
@@ -7241,7 +7434,7 @@
           <a:p>
             <a:fld id="{93C8B963-0F36-48FC-991E-AA63861DA924}" type="datetimeFigureOut">
               <a:rPr lang="en-US" smtClean="0"/>
-              <a:t>11/1/2022</a:t>
+              <a:t>11/2/2023</a:t>
             </a:fld>
             <a:endParaRPr lang="en-US"/>
           </a:p>
@@ -8031,6 +8224,118 @@
 </p:sld>
 </file>
 
+<file path=ppt/slides/slide10.xml><?xml version="1.0" encoding="utf-8"?>
+<p:sld xmlns:a="http://schemas.openxmlformats.org/drawingml/2006/main" xmlns:r="http://schemas.openxmlformats.org/officeDocument/2006/relationships" xmlns:p="http://schemas.openxmlformats.org/presentationml/2006/main">
+  <p:cSld>
+    <p:spTree>
+      <p:nvGrpSpPr>
+        <p:cNvPr id="1" name="Shape 100"/>
+        <p:cNvGrpSpPr/>
+        <p:nvPr/>
+      </p:nvGrpSpPr>
+      <p:grpSpPr>
+        <a:xfrm>
+          <a:off x="0" y="0"/>
+          <a:ext cx="0" cy="0"/>
+          <a:chOff x="0" y="0"/>
+          <a:chExt cx="0" cy="0"/>
+        </a:xfrm>
+      </p:grpSpPr>
+      <p:sp>
+        <p:nvSpPr>
+          <p:cNvPr id="6" name="Shape 101">
+            <a:extLst>
+              <a:ext uri="{FF2B5EF4-FFF2-40B4-BE49-F238E27FC236}">
+                <a16:creationId xmlns:a16="http://schemas.microsoft.com/office/drawing/2014/main" id="{6E82EB7D-8D71-4CFF-A93D-A734763EFEF7}"/>
+              </a:ext>
+            </a:extLst>
+          </p:cNvPr>
+          <p:cNvSpPr txBox="1"/>
+          <p:nvPr/>
+        </p:nvSpPr>
+        <p:spPr>
+          <a:xfrm>
+            <a:off x="177553" y="200501"/>
+            <a:ext cx="10695963" cy="584700"/>
+          </a:xfrm>
+          <a:prstGeom prst="rect">
+            <a:avLst/>
+          </a:prstGeom>
+          <a:noFill/>
+          <a:ln>
+            <a:noFill/>
+          </a:ln>
+        </p:spPr>
+        <p:txBody>
+          <a:bodyPr lIns="91425" tIns="45700" rIns="91425" bIns="45700" anchor="t" anchorCtr="0">
+            <a:noAutofit/>
+          </a:bodyPr>
+          <a:lstStyle/>
+          <a:p>
+            <a:pPr>
+              <a:buSzPct val="25000"/>
+            </a:pPr>
+            <a:r>
+              <a:rPr lang="en-US" sz="4000" b="1" dirty="0">
+                <a:latin typeface="+mj-lt"/>
+                <a:ea typeface="Gill Sans MT"/>
+                <a:cs typeface="Gill Sans MT"/>
+                <a:sym typeface="Gill Sans MT"/>
+              </a:rPr>
+              <a:t>Work time: Lab 5</a:t>
+            </a:r>
+          </a:p>
+        </p:txBody>
+      </p:sp>
+      <p:pic>
+        <p:nvPicPr>
+          <p:cNvPr id="4" name="Picture 3">
+            <a:extLst>
+              <a:ext uri="{FF2B5EF4-FFF2-40B4-BE49-F238E27FC236}">
+                <a16:creationId xmlns:a16="http://schemas.microsoft.com/office/drawing/2014/main" id="{9A2092B3-3B2B-4AAF-8A81-730BA16B4596}"/>
+              </a:ext>
+            </a:extLst>
+          </p:cNvPr>
+          <p:cNvPicPr>
+            <a:picLocks noChangeAspect="1"/>
+          </p:cNvPicPr>
+          <p:nvPr/>
+        </p:nvPicPr>
+        <p:blipFill>
+          <a:blip r:embed="rId3">
+            <a:extLst>
+              <a:ext uri="{28A0092B-C50C-407E-A947-70E740481C1C}">
+                <a14:useLocalDpi xmlns:a14="http://schemas.microsoft.com/office/drawing/2010/main" val="0"/>
+              </a:ext>
+            </a:extLst>
+          </a:blip>
+          <a:stretch>
+            <a:fillRect/>
+          </a:stretch>
+        </p:blipFill>
+        <p:spPr>
+          <a:xfrm>
+            <a:off x="4429125" y="1643062"/>
+            <a:ext cx="3333750" cy="3571875"/>
+          </a:xfrm>
+          <a:prstGeom prst="rect">
+            <a:avLst/>
+          </a:prstGeom>
+        </p:spPr>
+      </p:pic>
+    </p:spTree>
+    <p:extLst>
+      <p:ext uri="{BB962C8B-B14F-4D97-AF65-F5344CB8AC3E}">
+        <p14:creationId xmlns:p14="http://schemas.microsoft.com/office/powerpoint/2010/main" val="4270126506"/>
+      </p:ext>
+    </p:extLst>
+  </p:cSld>
+  <p:clrMapOvr>
+    <a:masterClrMapping/>
+  </p:clrMapOvr>
+</p:sld>
+</file>
+
 <file path=ppt/slides/slide2.xml><?xml version="1.0" encoding="utf-8"?>
 <p:sld xmlns:a="http://schemas.openxmlformats.org/drawingml/2006/main" xmlns:r="http://schemas.openxmlformats.org/officeDocument/2006/relationships" xmlns:p="http://schemas.openxmlformats.org/presentationml/2006/main">
   <p:cSld>
@@ -9761,7 +10066,7 @@
                 <a:cs typeface="Gill Sans MT"/>
                 <a:sym typeface="Gill Sans MT"/>
               </a:rPr>
-              <a:t>Calculating residuals in Excel</a:t>
+              <a:t>Calculating residuals and testing normality in Excel</a:t>
             </a:r>
           </a:p>
         </p:txBody>

--- a/in_class_slides/geog4300_W11-1 Univariate regression.pptx
+++ b/in_class_slides/geog4300_W11-1 Univariate regression.pptx
@@ -5,7 +5,7 @@
     <p:sldMasterId id="2147483660" r:id="rId1"/>
   </p:sldMasterIdLst>
   <p:notesMasterIdLst>
-    <p:notesMasterId r:id="rId12"/>
+    <p:notesMasterId r:id="rId11"/>
   </p:notesMasterIdLst>
   <p:sldIdLst>
     <p:sldId id="256" r:id="rId2"/>
@@ -16,8 +16,7 @@
     <p:sldId id="316" r:id="rId7"/>
     <p:sldId id="317" r:id="rId8"/>
     <p:sldId id="318" r:id="rId9"/>
-    <p:sldId id="314" r:id="rId10"/>
-    <p:sldId id="319" r:id="rId11"/>
+    <p:sldId id="319" r:id="rId10"/>
   </p:sldIdLst>
   <p:sldSz cx="12192000" cy="6858000"/>
   <p:notesSz cx="6858000" cy="9144000"/>
@@ -206,7 +205,7 @@
           <a:p>
             <a:fld id="{F1C23026-85D4-48E8-9219-18000F688023}" type="datetimeFigureOut">
               <a:rPr lang="en-US" smtClean="0"/>
-              <a:t>11/2/2023</a:t>
+              <a:t>11/7/2023</a:t>
             </a:fld>
             <a:endParaRPr lang="en-US"/>
           </a:p>
@@ -1999,198 +1998,6 @@
     </p:spTree>
     <p:extLst>
       <p:ext uri="{BB962C8B-B14F-4D97-AF65-F5344CB8AC3E}">
-        <p14:creationId xmlns:p14="http://schemas.microsoft.com/office/powerpoint/2010/main" val="1117073594"/>
-      </p:ext>
-    </p:extLst>
-  </p:cSld>
-  <p:clrMapOvr>
-    <a:masterClrMapping/>
-  </p:clrMapOvr>
-</p:notes>
-</file>
-
-<file path=ppt/notesSlides/notesSlide9.xml><?xml version="1.0" encoding="utf-8"?>
-<p:notes xmlns:a="http://schemas.openxmlformats.org/drawingml/2006/main" xmlns:r="http://schemas.openxmlformats.org/officeDocument/2006/relationships" xmlns:p="http://schemas.openxmlformats.org/presentationml/2006/main" showMasterSp="0" showMasterPhAnim="0">
-  <p:cSld>
-    <p:spTree>
-      <p:nvGrpSpPr>
-        <p:cNvPr id="1" name="Shape 96"/>
-        <p:cNvGrpSpPr/>
-        <p:nvPr/>
-      </p:nvGrpSpPr>
-      <p:grpSpPr>
-        <a:xfrm>
-          <a:off x="0" y="0"/>
-          <a:ext cx="0" cy="0"/>
-          <a:chOff x="0" y="0"/>
-          <a:chExt cx="0" cy="0"/>
-        </a:xfrm>
-      </p:grpSpPr>
-      <p:sp>
-        <p:nvSpPr>
-          <p:cNvPr id="97" name="Shape 97"/>
-          <p:cNvSpPr>
-            <a:spLocks noGrp="1" noRot="1" noChangeAspect="1"/>
-          </p:cNvSpPr>
-          <p:nvPr>
-            <p:ph type="sldImg" idx="2"/>
-          </p:nvPr>
-        </p:nvSpPr>
-        <p:spPr>
-          <a:xfrm>
-            <a:off x="381000" y="685800"/>
-            <a:ext cx="6096000" cy="3429000"/>
-          </a:xfrm>
-          <a:custGeom>
-            <a:avLst/>
-            <a:gdLst/>
-            <a:ahLst/>
-            <a:cxnLst/>
-            <a:rect l="0" t="0" r="0" b="0"/>
-            <a:pathLst>
-              <a:path w="120000" h="120000" extrusionOk="0">
-                <a:moveTo>
-                  <a:pt x="0" y="0"/>
-                </a:moveTo>
-                <a:lnTo>
-                  <a:pt x="120000" y="0"/>
-                </a:lnTo>
-                <a:lnTo>
-                  <a:pt x="120000" y="120000"/>
-                </a:lnTo>
-                <a:lnTo>
-                  <a:pt x="0" y="120000"/>
-                </a:lnTo>
-                <a:close/>
-              </a:path>
-            </a:pathLst>
-          </a:custGeom>
-          <a:noFill/>
-          <a:ln w="12700" cap="flat" cmpd="sng">
-            <a:solidFill>
-              <a:srgbClr val="000000"/>
-            </a:solidFill>
-            <a:prstDash val="solid"/>
-            <a:round/>
-            <a:headEnd type="none" w="med" len="med"/>
-            <a:tailEnd type="none" w="med" len="med"/>
-          </a:ln>
-        </p:spPr>
-      </p:sp>
-      <p:sp>
-        <p:nvSpPr>
-          <p:cNvPr id="98" name="Shape 98"/>
-          <p:cNvSpPr txBox="1">
-            <a:spLocks noGrp="1"/>
-          </p:cNvSpPr>
-          <p:nvPr>
-            <p:ph type="body" idx="1"/>
-          </p:nvPr>
-        </p:nvSpPr>
-        <p:spPr>
-          <a:xfrm>
-            <a:off x="685800" y="4343400"/>
-            <a:ext cx="5486399" cy="4114800"/>
-          </a:xfrm>
-          <a:prstGeom prst="rect">
-            <a:avLst/>
-          </a:prstGeom>
-          <a:noFill/>
-          <a:ln>
-            <a:noFill/>
-          </a:ln>
-        </p:spPr>
-        <p:txBody>
-          <a:bodyPr lIns="91425" tIns="45700" rIns="91425" bIns="45700" anchor="t" anchorCtr="0">
-            <a:noAutofit/>
-          </a:bodyPr>
-          <a:lstStyle/>
-          <a:p>
-            <a:pPr marL="0" marR="0" lvl="0" indent="0" algn="l" rtl="0">
-              <a:spcBef>
-                <a:spcPts val="0"/>
-              </a:spcBef>
-              <a:buSzPct val="25000"/>
-              <a:buNone/>
-            </a:pPr>
-            <a:r>
-              <a:rPr lang="en-US" sz="1200" b="0" i="0" u="none" strike="noStrike" cap="none">
-                <a:solidFill>
-                  <a:schemeClr val="dk1"/>
-                </a:solidFill>
-                <a:latin typeface="Calibri"/>
-                <a:ea typeface="Calibri"/>
-                <a:cs typeface="Calibri"/>
-                <a:sym typeface="Calibri"/>
-              </a:rPr>
-              <a:t>Alternative hypothesis is usually what you’re trying to prove.</a:t>
-            </a:r>
-          </a:p>
-        </p:txBody>
-      </p:sp>
-      <p:sp>
-        <p:nvSpPr>
-          <p:cNvPr id="99" name="Shape 99"/>
-          <p:cNvSpPr txBox="1">
-            <a:spLocks noGrp="1"/>
-          </p:cNvSpPr>
-          <p:nvPr>
-            <p:ph type="sldNum" idx="12"/>
-          </p:nvPr>
-        </p:nvSpPr>
-        <p:spPr>
-          <a:xfrm>
-            <a:off x="3884612" y="8685213"/>
-            <a:ext cx="2971799" cy="457200"/>
-          </a:xfrm>
-          <a:prstGeom prst="rect">
-            <a:avLst/>
-          </a:prstGeom>
-          <a:noFill/>
-          <a:ln>
-            <a:noFill/>
-          </a:ln>
-        </p:spPr>
-        <p:txBody>
-          <a:bodyPr lIns="91425" tIns="45700" rIns="91425" bIns="45700" anchor="b" anchorCtr="0">
-            <a:noAutofit/>
-          </a:bodyPr>
-          <a:lstStyle/>
-          <a:p>
-            <a:pPr marL="0" marR="0" lvl="0" indent="0" algn="r" rtl="0">
-              <a:spcBef>
-                <a:spcPts val="0"/>
-              </a:spcBef>
-              <a:buSzPct val="25000"/>
-              <a:buNone/>
-            </a:pPr>
-            <a:fld id="{00000000-1234-1234-1234-123412341234}" type="slidenum">
-              <a:rPr lang="en-US" sz="1200">
-                <a:solidFill>
-                  <a:schemeClr val="dk1"/>
-                </a:solidFill>
-                <a:latin typeface="Calibri"/>
-                <a:ea typeface="Calibri"/>
-                <a:cs typeface="Calibri"/>
-                <a:sym typeface="Calibri"/>
-              </a:rPr>
-              <a:t>10</a:t>
-            </a:fld>
-            <a:endParaRPr lang="en-US" sz="1200">
-              <a:solidFill>
-                <a:schemeClr val="dk1"/>
-              </a:solidFill>
-              <a:latin typeface="Calibri"/>
-              <a:ea typeface="Calibri"/>
-              <a:cs typeface="Calibri"/>
-              <a:sym typeface="Calibri"/>
-            </a:endParaRPr>
-          </a:p>
-        </p:txBody>
-      </p:sp>
-    </p:spTree>
-    <p:extLst>
-      <p:ext uri="{BB962C8B-B14F-4D97-AF65-F5344CB8AC3E}">
         <p14:creationId xmlns:p14="http://schemas.microsoft.com/office/powerpoint/2010/main" val="2502725825"/>
       </p:ext>
     </p:extLst>
@@ -2386,7 +2193,7 @@
           <a:p>
             <a:fld id="{93C8B963-0F36-48FC-991E-AA63861DA924}" type="datetimeFigureOut">
               <a:rPr lang="en-US" smtClean="0"/>
-              <a:t>11/2/2023</a:t>
+              <a:t>11/7/2023</a:t>
             </a:fld>
             <a:endParaRPr lang="en-US"/>
           </a:p>
@@ -2684,7 +2491,7 @@
           <a:p>
             <a:fld id="{93C8B963-0F36-48FC-991E-AA63861DA924}" type="datetimeFigureOut">
               <a:rPr lang="en-US" smtClean="0"/>
-              <a:t>11/2/2023</a:t>
+              <a:t>11/7/2023</a:t>
             </a:fld>
             <a:endParaRPr lang="en-US"/>
           </a:p>
@@ -2876,7 +2683,7 @@
           <a:p>
             <a:fld id="{93C8B963-0F36-48FC-991E-AA63861DA924}" type="datetimeFigureOut">
               <a:rPr lang="en-US" smtClean="0"/>
-              <a:t>11/2/2023</a:t>
+              <a:t>11/7/2023</a:t>
             </a:fld>
             <a:endParaRPr lang="en-US"/>
           </a:p>
@@ -3137,7 +2944,7 @@
           <a:p>
             <a:fld id="{93C8B963-0F36-48FC-991E-AA63861DA924}" type="datetimeFigureOut">
               <a:rPr lang="en-US" smtClean="0"/>
-              <a:t>11/2/2023</a:t>
+              <a:t>11/7/2023</a:t>
             </a:fld>
             <a:endParaRPr lang="en-US"/>
           </a:p>
@@ -3561,7 +3368,7 @@
           <a:p>
             <a:fld id="{93C8B963-0F36-48FC-991E-AA63861DA924}" type="datetimeFigureOut">
               <a:rPr lang="en-US" smtClean="0"/>
-              <a:t>11/2/2023</a:t>
+              <a:t>11/7/2023</a:t>
             </a:fld>
             <a:endParaRPr lang="en-US"/>
           </a:p>
@@ -4098,7 +3905,7 @@
           <a:p>
             <a:fld id="{93C8B963-0F36-48FC-991E-AA63861DA924}" type="datetimeFigureOut">
               <a:rPr lang="en-US" smtClean="0"/>
-              <a:t>11/2/2023</a:t>
+              <a:t>11/7/2023</a:t>
             </a:fld>
             <a:endParaRPr lang="en-US"/>
           </a:p>
@@ -4962,7 +4769,7 @@
           <a:p>
             <a:fld id="{93C8B963-0F36-48FC-991E-AA63861DA924}" type="datetimeFigureOut">
               <a:rPr lang="en-US" smtClean="0"/>
-              <a:t>11/2/2023</a:t>
+              <a:t>11/7/2023</a:t>
             </a:fld>
             <a:endParaRPr lang="en-US"/>
           </a:p>
@@ -5132,7 +4939,7 @@
           <a:p>
             <a:fld id="{93C8B963-0F36-48FC-991E-AA63861DA924}" type="datetimeFigureOut">
               <a:rPr lang="en-US" smtClean="0"/>
-              <a:t>11/2/2023</a:t>
+              <a:t>11/7/2023</a:t>
             </a:fld>
             <a:endParaRPr lang="en-US"/>
           </a:p>
@@ -5316,7 +5123,7 @@
           <a:p>
             <a:fld id="{93C8B963-0F36-48FC-991E-AA63861DA924}" type="datetimeFigureOut">
               <a:rPr lang="en-US" smtClean="0"/>
-              <a:t>11/2/2023</a:t>
+              <a:t>11/7/2023</a:t>
             </a:fld>
             <a:endParaRPr lang="en-US"/>
           </a:p>
@@ -5486,7 +5293,7 @@
           <a:p>
             <a:fld id="{93C8B963-0F36-48FC-991E-AA63861DA924}" type="datetimeFigureOut">
               <a:rPr lang="en-US" smtClean="0"/>
-              <a:t>11/2/2023</a:t>
+              <a:t>11/7/2023</a:t>
             </a:fld>
             <a:endParaRPr lang="en-US"/>
           </a:p>
@@ -5730,7 +5537,7 @@
           <a:p>
             <a:fld id="{93C8B963-0F36-48FC-991E-AA63861DA924}" type="datetimeFigureOut">
               <a:rPr lang="en-US" smtClean="0"/>
-              <a:t>11/2/2023</a:t>
+              <a:t>11/7/2023</a:t>
             </a:fld>
             <a:endParaRPr lang="en-US"/>
           </a:p>
@@ -5966,7 +5773,7 @@
           <a:p>
             <a:fld id="{93C8B963-0F36-48FC-991E-AA63861DA924}" type="datetimeFigureOut">
               <a:rPr lang="en-US" smtClean="0"/>
-              <a:t>11/2/2023</a:t>
+              <a:t>11/7/2023</a:t>
             </a:fld>
             <a:endParaRPr lang="en-US"/>
           </a:p>
@@ -6432,7 +6239,7 @@
           <a:p>
             <a:fld id="{93C8B963-0F36-48FC-991E-AA63861DA924}" type="datetimeFigureOut">
               <a:rPr lang="en-US" smtClean="0"/>
-              <a:t>11/2/2023</a:t>
+              <a:t>11/7/2023</a:t>
             </a:fld>
             <a:endParaRPr lang="en-US"/>
           </a:p>
@@ -6550,7 +6357,7 @@
           <a:p>
             <a:fld id="{93C8B963-0F36-48FC-991E-AA63861DA924}" type="datetimeFigureOut">
               <a:rPr lang="en-US" smtClean="0"/>
-              <a:t>11/2/2023</a:t>
+              <a:t>11/7/2023</a:t>
             </a:fld>
             <a:endParaRPr lang="en-US"/>
           </a:p>
@@ -6645,7 +6452,7 @@
           <a:p>
             <a:fld id="{93C8B963-0F36-48FC-991E-AA63861DA924}" type="datetimeFigureOut">
               <a:rPr lang="en-US" smtClean="0"/>
-              <a:t>11/2/2023</a:t>
+              <a:t>11/7/2023</a:t>
             </a:fld>
             <a:endParaRPr lang="en-US"/>
           </a:p>
@@ -6900,7 +6707,7 @@
           <a:p>
             <a:fld id="{93C8B963-0F36-48FC-991E-AA63861DA924}" type="datetimeFigureOut">
               <a:rPr lang="en-US" smtClean="0"/>
-              <a:t>11/2/2023</a:t>
+              <a:t>11/7/2023</a:t>
             </a:fld>
             <a:endParaRPr lang="en-US"/>
           </a:p>
@@ -7200,7 +7007,7 @@
           <a:p>
             <a:fld id="{93C8B963-0F36-48FC-991E-AA63861DA924}" type="datetimeFigureOut">
               <a:rPr lang="en-US" smtClean="0"/>
-              <a:t>11/2/2023</a:t>
+              <a:t>11/7/2023</a:t>
             </a:fld>
             <a:endParaRPr lang="en-US"/>
           </a:p>
@@ -7434,7 +7241,7 @@
           <a:p>
             <a:fld id="{93C8B963-0F36-48FC-991E-AA63861DA924}" type="datetimeFigureOut">
               <a:rPr lang="en-US" smtClean="0"/>
-              <a:t>11/2/2023</a:t>
+              <a:t>11/7/2023</a:t>
             </a:fld>
             <a:endParaRPr lang="en-US"/>
           </a:p>
@@ -8224,118 +8031,6 @@
 </p:sld>
 </file>
 
-<file path=ppt/slides/slide10.xml><?xml version="1.0" encoding="utf-8"?>
-<p:sld xmlns:a="http://schemas.openxmlformats.org/drawingml/2006/main" xmlns:r="http://schemas.openxmlformats.org/officeDocument/2006/relationships" xmlns:p="http://schemas.openxmlformats.org/presentationml/2006/main">
-  <p:cSld>
-    <p:spTree>
-      <p:nvGrpSpPr>
-        <p:cNvPr id="1" name="Shape 100"/>
-        <p:cNvGrpSpPr/>
-        <p:nvPr/>
-      </p:nvGrpSpPr>
-      <p:grpSpPr>
-        <a:xfrm>
-          <a:off x="0" y="0"/>
-          <a:ext cx="0" cy="0"/>
-          <a:chOff x="0" y="0"/>
-          <a:chExt cx="0" cy="0"/>
-        </a:xfrm>
-      </p:grpSpPr>
-      <p:sp>
-        <p:nvSpPr>
-          <p:cNvPr id="6" name="Shape 101">
-            <a:extLst>
-              <a:ext uri="{FF2B5EF4-FFF2-40B4-BE49-F238E27FC236}">
-                <a16:creationId xmlns:a16="http://schemas.microsoft.com/office/drawing/2014/main" id="{6E82EB7D-8D71-4CFF-A93D-A734763EFEF7}"/>
-              </a:ext>
-            </a:extLst>
-          </p:cNvPr>
-          <p:cNvSpPr txBox="1"/>
-          <p:nvPr/>
-        </p:nvSpPr>
-        <p:spPr>
-          <a:xfrm>
-            <a:off x="177553" y="200501"/>
-            <a:ext cx="10695963" cy="584700"/>
-          </a:xfrm>
-          <a:prstGeom prst="rect">
-            <a:avLst/>
-          </a:prstGeom>
-          <a:noFill/>
-          <a:ln>
-            <a:noFill/>
-          </a:ln>
-        </p:spPr>
-        <p:txBody>
-          <a:bodyPr lIns="91425" tIns="45700" rIns="91425" bIns="45700" anchor="t" anchorCtr="0">
-            <a:noAutofit/>
-          </a:bodyPr>
-          <a:lstStyle/>
-          <a:p>
-            <a:pPr>
-              <a:buSzPct val="25000"/>
-            </a:pPr>
-            <a:r>
-              <a:rPr lang="en-US" sz="4000" b="1" dirty="0">
-                <a:latin typeface="+mj-lt"/>
-                <a:ea typeface="Gill Sans MT"/>
-                <a:cs typeface="Gill Sans MT"/>
-                <a:sym typeface="Gill Sans MT"/>
-              </a:rPr>
-              <a:t>Work time: Lab 5</a:t>
-            </a:r>
-          </a:p>
-        </p:txBody>
-      </p:sp>
-      <p:pic>
-        <p:nvPicPr>
-          <p:cNvPr id="4" name="Picture 3">
-            <a:extLst>
-              <a:ext uri="{FF2B5EF4-FFF2-40B4-BE49-F238E27FC236}">
-                <a16:creationId xmlns:a16="http://schemas.microsoft.com/office/drawing/2014/main" id="{9A2092B3-3B2B-4AAF-8A81-730BA16B4596}"/>
-              </a:ext>
-            </a:extLst>
-          </p:cNvPr>
-          <p:cNvPicPr>
-            <a:picLocks noChangeAspect="1"/>
-          </p:cNvPicPr>
-          <p:nvPr/>
-        </p:nvPicPr>
-        <p:blipFill>
-          <a:blip r:embed="rId3">
-            <a:extLst>
-              <a:ext uri="{28A0092B-C50C-407E-A947-70E740481C1C}">
-                <a14:useLocalDpi xmlns:a14="http://schemas.microsoft.com/office/drawing/2010/main" val="0"/>
-              </a:ext>
-            </a:extLst>
-          </a:blip>
-          <a:stretch>
-            <a:fillRect/>
-          </a:stretch>
-        </p:blipFill>
-        <p:spPr>
-          <a:xfrm>
-            <a:off x="4429125" y="1643062"/>
-            <a:ext cx="3333750" cy="3571875"/>
-          </a:xfrm>
-          <a:prstGeom prst="rect">
-            <a:avLst/>
-          </a:prstGeom>
-        </p:spPr>
-      </p:pic>
-    </p:spTree>
-    <p:extLst>
-      <p:ext uri="{BB962C8B-B14F-4D97-AF65-F5344CB8AC3E}">
-        <p14:creationId xmlns:p14="http://schemas.microsoft.com/office/powerpoint/2010/main" val="4270126506"/>
-      </p:ext>
-    </p:extLst>
-  </p:cSld>
-  <p:clrMapOvr>
-    <a:masterClrMapping/>
-  </p:clrMapOvr>
-</p:sld>
-</file>
-
 <file path=ppt/slides/slide2.xml><?xml version="1.0" encoding="utf-8"?>
 <p:sld xmlns:a="http://schemas.openxmlformats.org/drawingml/2006/main" xmlns:r="http://schemas.openxmlformats.org/officeDocument/2006/relationships" xmlns:p="http://schemas.openxmlformats.org/presentationml/2006/main">
   <p:cSld>
@@ -10551,106 +10246,51 @@
                 <a:cs typeface="Gill Sans MT"/>
                 <a:sym typeface="Gill Sans MT"/>
               </a:rPr>
-              <a:t>What tests have we covered?</a:t>
-            </a:r>
-          </a:p>
-        </p:txBody>
-      </p:sp>
-      <p:sp>
-        <p:nvSpPr>
-          <p:cNvPr id="2" name="Rectangle 1">
+              <a:t>Work time: Lab 5</a:t>
+            </a:r>
+          </a:p>
+        </p:txBody>
+      </p:sp>
+      <p:pic>
+        <p:nvPicPr>
+          <p:cNvPr id="4" name="Picture 3">
             <a:extLst>
               <a:ext uri="{FF2B5EF4-FFF2-40B4-BE49-F238E27FC236}">
-                <a16:creationId xmlns:a16="http://schemas.microsoft.com/office/drawing/2014/main" id="{3D751B92-4161-48C8-A39C-E6863EA9FF89}"/>
+                <a16:creationId xmlns:a16="http://schemas.microsoft.com/office/drawing/2014/main" id="{9A2092B3-3B2B-4AAF-8A81-730BA16B4596}"/>
               </a:ext>
             </a:extLst>
           </p:cNvPr>
-          <p:cNvSpPr/>
+          <p:cNvPicPr>
+            <a:picLocks noChangeAspect="1"/>
+          </p:cNvPicPr>
           <p:nvPr/>
-        </p:nvSpPr>
-        <p:spPr>
-          <a:xfrm>
-            <a:off x="595564" y="1115215"/>
-            <a:ext cx="10812664" cy="5078313"/>
+        </p:nvPicPr>
+        <p:blipFill>
+          <a:blip r:embed="rId3">
+            <a:extLst>
+              <a:ext uri="{28A0092B-C50C-407E-A947-70E740481C1C}">
+                <a14:useLocalDpi xmlns:a14="http://schemas.microsoft.com/office/drawing/2010/main" val="0"/>
+              </a:ext>
+            </a:extLst>
+          </a:blip>
+          <a:stretch>
+            <a:fillRect/>
+          </a:stretch>
+        </p:blipFill>
+        <p:spPr>
+          <a:xfrm>
+            <a:off x="4429125" y="1643062"/>
+            <a:ext cx="3333750" cy="3571875"/>
           </a:xfrm>
           <a:prstGeom prst="rect">
             <a:avLst/>
           </a:prstGeom>
         </p:spPr>
-        <p:txBody>
-          <a:bodyPr wrap="square">
-            <a:spAutoFit/>
-          </a:bodyPr>
-          <a:lstStyle/>
-          <a:p>
-            <a:pPr marL="285750" indent="-285750">
-              <a:buFont typeface="Arial" panose="020B0604020202020204" pitchFamily="34" charset="0"/>
-              <a:buChar char="•"/>
-            </a:pPr>
-            <a:r>
-              <a:rPr lang="en-US" sz="3600" dirty="0"/>
-              <a:t>T-tests: One-sample, Two-sample, Paired, non-parametric</a:t>
-            </a:r>
-          </a:p>
-          <a:p>
-            <a:pPr marL="285750" indent="-285750">
-              <a:buFont typeface="Arial" panose="020B0604020202020204" pitchFamily="34" charset="0"/>
-              <a:buChar char="•"/>
-            </a:pPr>
-            <a:r>
-              <a:rPr lang="en-US" sz="3600" dirty="0"/>
-              <a:t>Chi-square</a:t>
-            </a:r>
-          </a:p>
-          <a:p>
-            <a:pPr marL="285750" indent="-285750">
-              <a:buFont typeface="Arial" panose="020B0604020202020204" pitchFamily="34" charset="0"/>
-              <a:buChar char="•"/>
-            </a:pPr>
-            <a:r>
-              <a:rPr lang="en-US" sz="3600" dirty="0"/>
-              <a:t>ANOVA</a:t>
-            </a:r>
-          </a:p>
-          <a:p>
-            <a:pPr marL="285750" indent="-285750">
-              <a:buFont typeface="Arial" panose="020B0604020202020204" pitchFamily="34" charset="0"/>
-              <a:buChar char="•"/>
-            </a:pPr>
-            <a:r>
-              <a:rPr lang="en-US" sz="3600" dirty="0"/>
-              <a:t>Correlation</a:t>
-            </a:r>
-          </a:p>
-          <a:p>
-            <a:pPr marL="285750" indent="-285750">
-              <a:buFont typeface="Arial" panose="020B0604020202020204" pitchFamily="34" charset="0"/>
-              <a:buChar char="•"/>
-            </a:pPr>
-            <a:r>
-              <a:rPr lang="en-US" sz="3600" dirty="0"/>
-              <a:t>Regression</a:t>
-            </a:r>
-          </a:p>
-          <a:p>
-            <a:pPr marL="285750" indent="-285750">
-              <a:buFont typeface="Arial" panose="020B0604020202020204" pitchFamily="34" charset="0"/>
-              <a:buChar char="•"/>
-            </a:pPr>
-            <a:endParaRPr lang="en-US" sz="3600" dirty="0"/>
-          </a:p>
-          <a:p>
-            <a:r>
-              <a:rPr lang="en-US" sz="3600" dirty="0"/>
-              <a:t>In pairs or on your own: Come up with a research question that can be answered by one of these tests. </a:t>
-            </a:r>
-          </a:p>
-        </p:txBody>
-      </p:sp>
+      </p:pic>
     </p:spTree>
     <p:extLst>
       <p:ext uri="{BB962C8B-B14F-4D97-AF65-F5344CB8AC3E}">
-        <p14:creationId xmlns:p14="http://schemas.microsoft.com/office/powerpoint/2010/main" val="2304723531"/>
+        <p14:creationId xmlns:p14="http://schemas.microsoft.com/office/powerpoint/2010/main" val="4270126506"/>
       </p:ext>
     </p:extLst>
   </p:cSld>

--- a/in_class_slides/geog4300_W11-1 Univariate regression.pptx
+++ b/in_class_slides/geog4300_W11-1 Univariate regression.pptx
@@ -205,7 +205,7 @@
           <a:p>
             <a:fld id="{F1C23026-85D4-48E8-9219-18000F688023}" type="datetimeFigureOut">
               <a:rPr lang="en-US" smtClean="0"/>
-              <a:t>10/30/2024</a:t>
+              <a:t>11/5/2024</a:t>
             </a:fld>
             <a:endParaRPr lang="en-US"/>
           </a:p>
@@ -2193,7 +2193,7 @@
           <a:p>
             <a:fld id="{93C8B963-0F36-48FC-991E-AA63861DA924}" type="datetimeFigureOut">
               <a:rPr lang="en-US" smtClean="0"/>
-              <a:t>10/30/2024</a:t>
+              <a:t>11/5/2024</a:t>
             </a:fld>
             <a:endParaRPr lang="en-US"/>
           </a:p>
@@ -2491,7 +2491,7 @@
           <a:p>
             <a:fld id="{93C8B963-0F36-48FC-991E-AA63861DA924}" type="datetimeFigureOut">
               <a:rPr lang="en-US" smtClean="0"/>
-              <a:t>10/30/2024</a:t>
+              <a:t>11/5/2024</a:t>
             </a:fld>
             <a:endParaRPr lang="en-US"/>
           </a:p>
@@ -2683,7 +2683,7 @@
           <a:p>
             <a:fld id="{93C8B963-0F36-48FC-991E-AA63861DA924}" type="datetimeFigureOut">
               <a:rPr lang="en-US" smtClean="0"/>
-              <a:t>10/30/2024</a:t>
+              <a:t>11/5/2024</a:t>
             </a:fld>
             <a:endParaRPr lang="en-US"/>
           </a:p>
@@ -2944,7 +2944,7 @@
           <a:p>
             <a:fld id="{93C8B963-0F36-48FC-991E-AA63861DA924}" type="datetimeFigureOut">
               <a:rPr lang="en-US" smtClean="0"/>
-              <a:t>10/30/2024</a:t>
+              <a:t>11/5/2024</a:t>
             </a:fld>
             <a:endParaRPr lang="en-US"/>
           </a:p>
@@ -3368,7 +3368,7 @@
           <a:p>
             <a:fld id="{93C8B963-0F36-48FC-991E-AA63861DA924}" type="datetimeFigureOut">
               <a:rPr lang="en-US" smtClean="0"/>
-              <a:t>10/30/2024</a:t>
+              <a:t>11/5/2024</a:t>
             </a:fld>
             <a:endParaRPr lang="en-US"/>
           </a:p>
@@ -3905,7 +3905,7 @@
           <a:p>
             <a:fld id="{93C8B963-0F36-48FC-991E-AA63861DA924}" type="datetimeFigureOut">
               <a:rPr lang="en-US" smtClean="0"/>
-              <a:t>10/30/2024</a:t>
+              <a:t>11/5/2024</a:t>
             </a:fld>
             <a:endParaRPr lang="en-US"/>
           </a:p>
@@ -4769,7 +4769,7 @@
           <a:p>
             <a:fld id="{93C8B963-0F36-48FC-991E-AA63861DA924}" type="datetimeFigureOut">
               <a:rPr lang="en-US" smtClean="0"/>
-              <a:t>10/30/2024</a:t>
+              <a:t>11/5/2024</a:t>
             </a:fld>
             <a:endParaRPr lang="en-US"/>
           </a:p>
@@ -4939,7 +4939,7 @@
           <a:p>
             <a:fld id="{93C8B963-0F36-48FC-991E-AA63861DA924}" type="datetimeFigureOut">
               <a:rPr lang="en-US" smtClean="0"/>
-              <a:t>10/30/2024</a:t>
+              <a:t>11/5/2024</a:t>
             </a:fld>
             <a:endParaRPr lang="en-US"/>
           </a:p>
@@ -5123,7 +5123,7 @@
           <a:p>
             <a:fld id="{93C8B963-0F36-48FC-991E-AA63861DA924}" type="datetimeFigureOut">
               <a:rPr lang="en-US" smtClean="0"/>
-              <a:t>10/30/2024</a:t>
+              <a:t>11/5/2024</a:t>
             </a:fld>
             <a:endParaRPr lang="en-US"/>
           </a:p>
@@ -5293,7 +5293,7 @@
           <a:p>
             <a:fld id="{93C8B963-0F36-48FC-991E-AA63861DA924}" type="datetimeFigureOut">
               <a:rPr lang="en-US" smtClean="0"/>
-              <a:t>10/30/2024</a:t>
+              <a:t>11/5/2024</a:t>
             </a:fld>
             <a:endParaRPr lang="en-US"/>
           </a:p>
@@ -5537,7 +5537,7 @@
           <a:p>
             <a:fld id="{93C8B963-0F36-48FC-991E-AA63861DA924}" type="datetimeFigureOut">
               <a:rPr lang="en-US" smtClean="0"/>
-              <a:t>10/30/2024</a:t>
+              <a:t>11/5/2024</a:t>
             </a:fld>
             <a:endParaRPr lang="en-US"/>
           </a:p>
@@ -5773,7 +5773,7 @@
           <a:p>
             <a:fld id="{93C8B963-0F36-48FC-991E-AA63861DA924}" type="datetimeFigureOut">
               <a:rPr lang="en-US" smtClean="0"/>
-              <a:t>10/30/2024</a:t>
+              <a:t>11/5/2024</a:t>
             </a:fld>
             <a:endParaRPr lang="en-US"/>
           </a:p>
@@ -6239,7 +6239,7 @@
           <a:p>
             <a:fld id="{93C8B963-0F36-48FC-991E-AA63861DA924}" type="datetimeFigureOut">
               <a:rPr lang="en-US" smtClean="0"/>
-              <a:t>10/30/2024</a:t>
+              <a:t>11/5/2024</a:t>
             </a:fld>
             <a:endParaRPr lang="en-US"/>
           </a:p>
@@ -6357,7 +6357,7 @@
           <a:p>
             <a:fld id="{93C8B963-0F36-48FC-991E-AA63861DA924}" type="datetimeFigureOut">
               <a:rPr lang="en-US" smtClean="0"/>
-              <a:t>10/30/2024</a:t>
+              <a:t>11/5/2024</a:t>
             </a:fld>
             <a:endParaRPr lang="en-US"/>
           </a:p>
@@ -6452,7 +6452,7 @@
           <a:p>
             <a:fld id="{93C8B963-0F36-48FC-991E-AA63861DA924}" type="datetimeFigureOut">
               <a:rPr lang="en-US" smtClean="0"/>
-              <a:t>10/30/2024</a:t>
+              <a:t>11/5/2024</a:t>
             </a:fld>
             <a:endParaRPr lang="en-US"/>
           </a:p>
@@ -6707,7 +6707,7 @@
           <a:p>
             <a:fld id="{93C8B963-0F36-48FC-991E-AA63861DA924}" type="datetimeFigureOut">
               <a:rPr lang="en-US" smtClean="0"/>
-              <a:t>10/30/2024</a:t>
+              <a:t>11/5/2024</a:t>
             </a:fld>
             <a:endParaRPr lang="en-US"/>
           </a:p>
@@ -7007,7 +7007,7 @@
           <a:p>
             <a:fld id="{93C8B963-0F36-48FC-991E-AA63861DA924}" type="datetimeFigureOut">
               <a:rPr lang="en-US" smtClean="0"/>
-              <a:t>10/30/2024</a:t>
+              <a:t>11/5/2024</a:t>
             </a:fld>
             <a:endParaRPr lang="en-US"/>
           </a:p>
@@ -7241,7 +7241,7 @@
           <a:p>
             <a:fld id="{93C8B963-0F36-48FC-991E-AA63861DA924}" type="datetimeFigureOut">
               <a:rPr lang="en-US" smtClean="0"/>
-              <a:t>10/30/2024</a:t>
+              <a:t>11/5/2024</a:t>
             </a:fld>
             <a:endParaRPr lang="en-US"/>
           </a:p>
@@ -10398,7 +10398,25 @@
                 <a:cs typeface="Gill Sans MT"/>
                 <a:sym typeface="Gill Sans MT"/>
               </a:rPr>
-              <a:t>Work time: Lab 5</a:t>
+              <a:t>Work time</a:t>
+            </a:r>
+            <a:r>
+              <a:rPr lang="en-US" sz="4000" b="1">
+                <a:latin typeface="+mj-lt"/>
+                <a:ea typeface="Gill Sans MT"/>
+                <a:cs typeface="Gill Sans MT"/>
+                <a:sym typeface="Gill Sans MT"/>
+              </a:rPr>
+              <a:t>: Lab 4 or </a:t>
+            </a:r>
+            <a:r>
+              <a:rPr lang="en-US" sz="4000" b="1" dirty="0">
+                <a:latin typeface="+mj-lt"/>
+                <a:ea typeface="Gill Sans MT"/>
+                <a:cs typeface="Gill Sans MT"/>
+                <a:sym typeface="Gill Sans MT"/>
+              </a:rPr>
+              <a:t>5</a:t>
             </a:r>
           </a:p>
         </p:txBody>
